--- a/PDS/웹디자인기능사실기-가로형.pptx
+++ b/PDS/웹디자인기능사실기-가로형.pptx
@@ -3158,6 +3158,13 @@
   <p:clrMapOvr>
     <a:masterClrMapping/>
   </p:clrMapOvr>
+  <p:timing>
+    <p:tnLst>
+      <p:par>
+        <p:cTn id="1" dur="indefinite" restart="never" nodeType="tmRoot"/>
+      </p:par>
+    </p:tnLst>
+  </p:timing>
 </p:sld>
 </file>
 
@@ -3789,6 +3796,13 @@
   <p:clrMapOvr>
     <a:masterClrMapping/>
   </p:clrMapOvr>
+  <p:timing>
+    <p:tnLst>
+      <p:par>
+        <p:cTn id="1" dur="indefinite" restart="never" nodeType="tmRoot"/>
+      </p:par>
+    </p:tnLst>
+  </p:timing>
 </p:sld>
 </file>
 
@@ -4285,7 +4299,6 @@
               <a:rPr lang="en-US" altLang="ko-KR" smtClean="0"/>
               <a:t>2&lt;/li&gt;&lt;/ul&gt;</a:t>
             </a:r>
-            <a:endParaRPr lang="en-US" altLang="ko-KR" smtClean="0"/>
           </a:p>
           <a:p>
             <a:r>
@@ -4387,7 +4400,7 @@
         <p:spPr>
           <a:xfrm>
             <a:off x="611560" y="2060848"/>
-            <a:ext cx="3294620" cy="1754326"/>
+            <a:ext cx="3180807" cy="1754326"/>
           </a:xfrm>
           <a:prstGeom prst="rect">
             <a:avLst/>
@@ -4441,7 +4454,15 @@
           <a:p>
             <a:r>
               <a:rPr lang="en-US" altLang="ko-KR" smtClean="0"/>
-              <a:t>$(.sub).</a:t>
+              <a:t>$(</a:t>
+            </a:r>
+            <a:r>
+              <a:rPr lang="en-US" altLang="ko-KR" smtClean="0"/>
+              <a:t>ul</a:t>
+            </a:r>
+            <a:r>
+              <a:rPr lang="en-US" altLang="ko-KR" smtClean="0"/>
+              <a:t>).</a:t>
             </a:r>
             <a:r>
               <a:rPr lang="en-US" altLang="ko-KR" err="1" smtClean="0"/>
@@ -4455,7 +4476,11 @@
           <a:p>
             <a:r>
               <a:rPr lang="en-US" altLang="ko-KR" smtClean="0"/>
-              <a:t>  $(this).</a:t>
+              <a:t>  </a:t>
+            </a:r>
+            <a:r>
+              <a:rPr lang="en-US" altLang="ko-KR" smtClean="0"/>
+              <a:t>$(.sub).</a:t>
             </a:r>
             <a:r>
               <a:rPr lang="en-US" altLang="ko-KR" err="1" smtClean="0"/>
@@ -4526,7 +4551,7 @@
             <a:avLst/>
           </a:prstGeom>
           <a:noFill/>
-          <a:ln>
+          <a:ln w="38100">
             <a:solidFill>
               <a:srgbClr val="00B050"/>
             </a:solidFill>
@@ -4567,6 +4592,13 @@
   <p:clrMapOvr>
     <a:masterClrMapping/>
   </p:clrMapOvr>
+  <p:timing>
+    <p:tnLst>
+      <p:par>
+        <p:cTn id="1" dur="indefinite" restart="never" nodeType="tmRoot"/>
+      </p:par>
+    </p:tnLst>
+  </p:timing>
 </p:sld>
 </file>
 
@@ -5073,7 +5105,6 @@
               <a:rPr lang="en-US" altLang="ko-KR" smtClean="0"/>
               <a:t>  &lt;/li&gt;</a:t>
             </a:r>
-            <a:endParaRPr lang="en-US" altLang="ko-KR" smtClean="0"/>
           </a:p>
           <a:p>
             <a:r>
@@ -5092,8 +5123,8 @@
         </p:nvCxnSpPr>
         <p:spPr>
           <a:xfrm flipV="1">
-            <a:off x="5652120" y="3051385"/>
-            <a:ext cx="0" cy="481119"/>
+            <a:off x="5652120" y="3291944"/>
+            <a:ext cx="18132" cy="240561"/>
           </a:xfrm>
           <a:prstGeom prst="straightConnector1">
             <a:avLst/>
@@ -5391,6 +5422,13 @@
   <p:clrMapOvr>
     <a:masterClrMapping/>
   </p:clrMapOvr>
+  <p:timing>
+    <p:tnLst>
+      <p:par>
+        <p:cTn id="1" dur="indefinite" restart="never" nodeType="tmRoot"/>
+      </p:par>
+    </p:tnLst>
+  </p:timing>
 </p:sld>
 </file>
 
